--- a/U1_Introduccion_a_la_programacion/U1.pptx
+++ b/U1_Introduccion_a_la_programacion/U1.pptx
@@ -8,6 +8,14 @@
     <p:sldId id="256" r:id="rId2"/>
     <p:sldId id="257" r:id="rId3"/>
     <p:sldId id="258" r:id="rId4"/>
+    <p:sldId id="259" r:id="rId5"/>
+    <p:sldId id="260" r:id="rId6"/>
+    <p:sldId id="262" r:id="rId7"/>
+    <p:sldId id="261" r:id="rId8"/>
+    <p:sldId id="264" r:id="rId9"/>
+    <p:sldId id="265" r:id="rId10"/>
+    <p:sldId id="266" r:id="rId11"/>
+    <p:sldId id="263" r:id="rId12"/>
   </p:sldIdLst>
   <p:sldSz cx="12192000" cy="6858000"/>
   <p:notesSz cx="6858000" cy="9144000"/>
@@ -106,6 +114,11 @@
       </a:defRPr>
     </a:lvl9pPr>
   </p:defaultTextStyle>
+  <p:extLst>
+    <p:ext uri="{EFAFB233-063F-42B5-8137-9DF3F51BA10A}">
+      <p15:sldGuideLst xmlns:p15="http://schemas.microsoft.com/office/powerpoint/2012/main"/>
+    </p:ext>
+  </p:extLst>
 </p:presentation>
 </file>
 
@@ -240,7 +253,7 @@
           <a:p>
             <a:fld id="{8B32568F-7C32-410A-8CFC-723CE3E578A8}" type="datetimeFigureOut">
               <a:rPr lang="es-MX" smtClean="0"/>
-              <a:t>22/02/2021</a:t>
+              <a:t>23/02/2021</a:t>
             </a:fld>
             <a:endParaRPr lang="es-MX"/>
           </a:p>
@@ -410,7 +423,7 @@
           <a:p>
             <a:fld id="{8B32568F-7C32-410A-8CFC-723CE3E578A8}" type="datetimeFigureOut">
               <a:rPr lang="es-MX" smtClean="0"/>
-              <a:t>22/02/2021</a:t>
+              <a:t>23/02/2021</a:t>
             </a:fld>
             <a:endParaRPr lang="es-MX"/>
           </a:p>
@@ -590,7 +603,7 @@
           <a:p>
             <a:fld id="{8B32568F-7C32-410A-8CFC-723CE3E578A8}" type="datetimeFigureOut">
               <a:rPr lang="es-MX" smtClean="0"/>
-              <a:t>22/02/2021</a:t>
+              <a:t>23/02/2021</a:t>
             </a:fld>
             <a:endParaRPr lang="es-MX"/>
           </a:p>
@@ -760,7 +773,7 @@
           <a:p>
             <a:fld id="{8B32568F-7C32-410A-8CFC-723CE3E578A8}" type="datetimeFigureOut">
               <a:rPr lang="es-MX" smtClean="0"/>
-              <a:t>22/02/2021</a:t>
+              <a:t>23/02/2021</a:t>
             </a:fld>
             <a:endParaRPr lang="es-MX"/>
           </a:p>
@@ -1006,7 +1019,7 @@
           <a:p>
             <a:fld id="{8B32568F-7C32-410A-8CFC-723CE3E578A8}" type="datetimeFigureOut">
               <a:rPr lang="es-MX" smtClean="0"/>
-              <a:t>22/02/2021</a:t>
+              <a:t>23/02/2021</a:t>
             </a:fld>
             <a:endParaRPr lang="es-MX"/>
           </a:p>
@@ -1238,7 +1251,7 @@
           <a:p>
             <a:fld id="{8B32568F-7C32-410A-8CFC-723CE3E578A8}" type="datetimeFigureOut">
               <a:rPr lang="es-MX" smtClean="0"/>
-              <a:t>22/02/2021</a:t>
+              <a:t>23/02/2021</a:t>
             </a:fld>
             <a:endParaRPr lang="es-MX"/>
           </a:p>
@@ -1605,7 +1618,7 @@
           <a:p>
             <a:fld id="{8B32568F-7C32-410A-8CFC-723CE3E578A8}" type="datetimeFigureOut">
               <a:rPr lang="es-MX" smtClean="0"/>
-              <a:t>22/02/2021</a:t>
+              <a:t>23/02/2021</a:t>
             </a:fld>
             <a:endParaRPr lang="es-MX"/>
           </a:p>
@@ -1723,7 +1736,7 @@
           <a:p>
             <a:fld id="{8B32568F-7C32-410A-8CFC-723CE3E578A8}" type="datetimeFigureOut">
               <a:rPr lang="es-MX" smtClean="0"/>
-              <a:t>22/02/2021</a:t>
+              <a:t>23/02/2021</a:t>
             </a:fld>
             <a:endParaRPr lang="es-MX"/>
           </a:p>
@@ -1818,7 +1831,7 @@
           <a:p>
             <a:fld id="{8B32568F-7C32-410A-8CFC-723CE3E578A8}" type="datetimeFigureOut">
               <a:rPr lang="es-MX" smtClean="0"/>
-              <a:t>22/02/2021</a:t>
+              <a:t>23/02/2021</a:t>
             </a:fld>
             <a:endParaRPr lang="es-MX"/>
           </a:p>
@@ -2095,7 +2108,7 @@
           <a:p>
             <a:fld id="{8B32568F-7C32-410A-8CFC-723CE3E578A8}" type="datetimeFigureOut">
               <a:rPr lang="es-MX" smtClean="0"/>
-              <a:t>22/02/2021</a:t>
+              <a:t>23/02/2021</a:t>
             </a:fld>
             <a:endParaRPr lang="es-MX"/>
           </a:p>
@@ -2348,7 +2361,7 @@
           <a:p>
             <a:fld id="{8B32568F-7C32-410A-8CFC-723CE3E578A8}" type="datetimeFigureOut">
               <a:rPr lang="es-MX" smtClean="0"/>
-              <a:t>22/02/2021</a:t>
+              <a:t>23/02/2021</a:t>
             </a:fld>
             <a:endParaRPr lang="es-MX"/>
           </a:p>
@@ -2561,7 +2574,7 @@
           <a:p>
             <a:fld id="{8B32568F-7C32-410A-8CFC-723CE3E578A8}" type="datetimeFigureOut">
               <a:rPr lang="es-MX" smtClean="0"/>
-              <a:t>22/02/2021</a:t>
+              <a:t>23/02/2021</a:t>
             </a:fld>
             <a:endParaRPr lang="es-MX"/>
           </a:p>
@@ -2976,14 +2989,122 @@
             <p:ph type="ctrTitle"/>
           </p:nvPr>
         </p:nvSpPr>
-        <p:spPr/>
-        <p:txBody>
-          <a:bodyPr/>
+        <p:spPr>
+          <a:xfrm>
+            <a:off x="1523999" y="155210"/>
+            <a:ext cx="9144000" cy="2387600"/>
+          </a:xfrm>
+        </p:spPr>
+        <p:txBody>
+          <a:bodyPr>
+            <a:normAutofit/>
+          </a:bodyPr>
           <a:lstStyle/>
           <a:p>
             <a:r>
               <a:rPr lang="es-MX" dirty="0" smtClean="0"/>
-              <a:t>U.A. Programación Estructurada</a:t>
+              <a:t>U.T. 1 Introducción a la programación</a:t>
+            </a:r>
+            <a:endParaRPr lang="es-MX" dirty="0"/>
+          </a:p>
+        </p:txBody>
+      </p:sp>
+      <p:sp>
+        <p:nvSpPr>
+          <p:cNvPr id="3" name="CuadroTexto 2"/>
+          <p:cNvSpPr txBox="1"/>
+          <p:nvPr/>
+        </p:nvSpPr>
+        <p:spPr>
+          <a:xfrm>
+            <a:off x="908537" y="3323493"/>
+            <a:ext cx="10374923" cy="1569660"/>
+          </a:xfrm>
+          <a:prstGeom prst="rect">
+            <a:avLst/>
+          </a:prstGeom>
+          <a:noFill/>
+        </p:spPr>
+        <p:txBody>
+          <a:bodyPr wrap="square" rtlCol="0">
+            <a:spAutoFit/>
+          </a:bodyPr>
+          <a:lstStyle/>
+          <a:p>
+            <a:r>
+              <a:rPr lang="es-MX" sz="3200" dirty="0" smtClean="0"/>
+              <a:t>COMPETENCIA ESPECIFICA:</a:t>
+            </a:r>
+          </a:p>
+          <a:p>
+            <a:r>
+              <a:rPr lang="es-MX" sz="3200" dirty="0" smtClean="0"/>
+              <a:t>Establecer los conceptos para la composición de un programa en lenguaje C.</a:t>
+            </a:r>
+            <a:endParaRPr lang="es-MX" sz="3200" dirty="0"/>
+          </a:p>
+        </p:txBody>
+      </p:sp>
+    </p:spTree>
+    <p:extLst>
+      <p:ext uri="{BB962C8B-B14F-4D97-AF65-F5344CB8AC3E}">
+        <p14:creationId xmlns:p14="http://schemas.microsoft.com/office/powerpoint/2010/main" val="3923081677"/>
+      </p:ext>
+    </p:extLst>
+  </p:cSld>
+  <p:clrMapOvr>
+    <a:masterClrMapping/>
+  </p:clrMapOvr>
+  <p:timing>
+    <p:tnLst>
+      <p:par>
+        <p:cTn id="1" dur="indefinite" restart="never" nodeType="tmRoot"/>
+      </p:par>
+    </p:tnLst>
+  </p:timing>
+</p:sld>
+</file>
+
+<file path=ppt/slides/slide10.xml><?xml version="1.0" encoding="utf-8"?>
+<p:sld xmlns:a="http://schemas.openxmlformats.org/drawingml/2006/main" xmlns:r="http://schemas.openxmlformats.org/officeDocument/2006/relationships" xmlns:p="http://schemas.openxmlformats.org/presentationml/2006/main">
+  <p:cSld>
+    <p:spTree>
+      <p:nvGrpSpPr>
+        <p:cNvPr id="1" name=""/>
+        <p:cNvGrpSpPr/>
+        <p:nvPr/>
+      </p:nvGrpSpPr>
+      <p:grpSpPr>
+        <a:xfrm>
+          <a:off x="0" y="0"/>
+          <a:ext cx="0" cy="0"/>
+          <a:chOff x="0" y="0"/>
+          <a:chExt cx="0" cy="0"/>
+        </a:xfrm>
+      </p:grpSpPr>
+      <p:sp>
+        <p:nvSpPr>
+          <p:cNvPr id="2" name="Título 1"/>
+          <p:cNvSpPr>
+            <a:spLocks noGrp="1"/>
+          </p:cNvSpPr>
+          <p:nvPr>
+            <p:ph type="title"/>
+          </p:nvPr>
+        </p:nvSpPr>
+        <p:spPr>
+          <a:xfrm>
+            <a:off x="838200" y="0"/>
+            <a:ext cx="10515600" cy="1325563"/>
+          </a:xfrm>
+        </p:spPr>
+        <p:txBody>
+          <a:bodyPr/>
+          <a:lstStyle/>
+          <a:p>
+            <a:r>
+              <a:rPr lang="es-MX" dirty="0" smtClean="0"/>
+              <a:t>1.1.4 Construcción de un programa en C</a:t>
             </a:r>
             <a:endParaRPr lang="es-MX" dirty="0"/>
           </a:p>
@@ -2991,7 +3112,7 @@
       </p:sp>
       <p:pic>
         <p:nvPicPr>
-          <p:cNvPr id="5" name="Imagen 4"/>
+          <p:cNvPr id="4" name="Imagen 3"/>
           <p:cNvPicPr>
             <a:picLocks noChangeAspect="1"/>
           </p:cNvPicPr>
@@ -3005,18 +3126,261 @@
         </p:blipFill>
         <p:spPr>
           <a:xfrm>
-            <a:off x="492735" y="3509963"/>
-            <a:ext cx="11206530" cy="2876982"/>
+            <a:off x="642010" y="1325563"/>
+            <a:ext cx="10907979" cy="2529620"/>
           </a:xfrm>
           <a:prstGeom prst="rect">
             <a:avLst/>
           </a:prstGeom>
         </p:spPr>
       </p:pic>
+      <p:sp>
+        <p:nvSpPr>
+          <p:cNvPr id="5" name="CuadroTexto 4"/>
+          <p:cNvSpPr txBox="1"/>
+          <p:nvPr/>
+        </p:nvSpPr>
+        <p:spPr>
+          <a:xfrm>
+            <a:off x="838200" y="3855183"/>
+            <a:ext cx="10636566" cy="2308324"/>
+          </a:xfrm>
+          <a:prstGeom prst="rect">
+            <a:avLst/>
+          </a:prstGeom>
+          <a:noFill/>
+        </p:spPr>
+        <p:txBody>
+          <a:bodyPr wrap="none" rtlCol="0">
+            <a:spAutoFit/>
+          </a:bodyPr>
+          <a:lstStyle/>
+          <a:p>
+            <a:r>
+              <a:rPr lang="es-MX" sz="2400" dirty="0" smtClean="0"/>
+              <a:t>La forma en que se realizan los pasos indicados en esta figura depende del entorno </a:t>
+            </a:r>
+          </a:p>
+          <a:p>
+            <a:r>
+              <a:rPr lang="es-MX" sz="2400" dirty="0"/>
+              <a:t>d</a:t>
+            </a:r>
+            <a:r>
+              <a:rPr lang="es-MX" sz="2400" dirty="0" smtClean="0"/>
+              <a:t>e desarrollo utilizado. En muchas ocasiones se </a:t>
+            </a:r>
+            <a:r>
+              <a:rPr lang="es-MX" sz="2400" dirty="0" err="1" smtClean="0"/>
+              <a:t>utilzan</a:t>
+            </a:r>
+            <a:r>
+              <a:rPr lang="es-MX" sz="2400" dirty="0" smtClean="0"/>
+              <a:t> entornos de desarrollo </a:t>
+            </a:r>
+          </a:p>
+          <a:p>
+            <a:r>
+              <a:rPr lang="es-MX" sz="2400" dirty="0" smtClean="0"/>
+              <a:t>Integrados o </a:t>
+            </a:r>
+            <a:r>
+              <a:rPr lang="es-MX" sz="2400" dirty="0" err="1" smtClean="0"/>
+              <a:t>IDEs</a:t>
+            </a:r>
+            <a:r>
+              <a:rPr lang="es-MX" sz="2400" dirty="0" smtClean="0"/>
+              <a:t> (</a:t>
+            </a:r>
+            <a:r>
+              <a:rPr lang="es-MX" sz="2400" dirty="0" err="1" smtClean="0"/>
+              <a:t>Integrated</a:t>
+            </a:r>
+            <a:r>
+              <a:rPr lang="es-MX" sz="2400" dirty="0" smtClean="0"/>
+              <a:t> </a:t>
+            </a:r>
+            <a:r>
+              <a:rPr lang="es-MX" sz="2400" dirty="0" err="1" smtClean="0"/>
+              <a:t>Development</a:t>
+            </a:r>
+            <a:r>
+              <a:rPr lang="es-MX" sz="2400" dirty="0" smtClean="0"/>
+              <a:t> </a:t>
+            </a:r>
+            <a:r>
+              <a:rPr lang="es-MX" sz="2400" dirty="0" err="1" smtClean="0"/>
+              <a:t>Environment</a:t>
+            </a:r>
+            <a:r>
+              <a:rPr lang="es-MX" sz="2400" dirty="0" smtClean="0"/>
+              <a:t>). Algunos </a:t>
+            </a:r>
+            <a:r>
+              <a:rPr lang="es-MX" sz="2400" dirty="0" err="1" smtClean="0"/>
+              <a:t>IDEs</a:t>
+            </a:r>
+            <a:r>
+              <a:rPr lang="es-MX" sz="2400" dirty="0" smtClean="0"/>
+              <a:t> que se </a:t>
+            </a:r>
+          </a:p>
+          <a:p>
+            <a:r>
+              <a:rPr lang="es-MX" sz="2400" dirty="0"/>
+              <a:t>u</a:t>
+            </a:r>
+            <a:r>
+              <a:rPr lang="es-MX" sz="2400" dirty="0" smtClean="0"/>
+              <a:t>tilizan ampliamente son: </a:t>
+            </a:r>
+            <a:r>
+              <a:rPr lang="es-MX" sz="2400" dirty="0" err="1" smtClean="0"/>
+              <a:t>DevCpp</a:t>
+            </a:r>
+            <a:r>
+              <a:rPr lang="es-MX" sz="2400" dirty="0" smtClean="0"/>
+              <a:t>, </a:t>
+            </a:r>
+            <a:r>
+              <a:rPr lang="es-MX" sz="2400" dirty="0" err="1" smtClean="0"/>
+              <a:t>CodeBlocks</a:t>
+            </a:r>
+            <a:r>
+              <a:rPr lang="es-MX" sz="2400" dirty="0" smtClean="0"/>
+              <a:t>, Visual Studio. Aunque también se </a:t>
+            </a:r>
+          </a:p>
+          <a:p>
+            <a:r>
+              <a:rPr lang="es-MX" sz="2400" dirty="0"/>
+              <a:t>p</a:t>
+            </a:r>
+            <a:r>
+              <a:rPr lang="es-MX" sz="2400" dirty="0" smtClean="0"/>
+              <a:t>ueden utilizar las herramientas de desarrollo directamente en un entorno de línea </a:t>
+            </a:r>
+          </a:p>
+          <a:p>
+            <a:r>
+              <a:rPr lang="es-MX" sz="2400" dirty="0"/>
+              <a:t>d</a:t>
+            </a:r>
+            <a:r>
+              <a:rPr lang="es-MX" sz="2400" dirty="0" smtClean="0"/>
+              <a:t>e comandos.</a:t>
+            </a:r>
+            <a:endParaRPr lang="es-MX" sz="2400" dirty="0"/>
+          </a:p>
+        </p:txBody>
+      </p:sp>
     </p:spTree>
     <p:extLst>
       <p:ext uri="{BB962C8B-B14F-4D97-AF65-F5344CB8AC3E}">
-        <p14:creationId xmlns:p14="http://schemas.microsoft.com/office/powerpoint/2010/main" val="3923081677"/>
+        <p14:creationId xmlns:p14="http://schemas.microsoft.com/office/powerpoint/2010/main" val="1879618268"/>
+      </p:ext>
+    </p:extLst>
+  </p:cSld>
+  <p:clrMapOvr>
+    <a:masterClrMapping/>
+  </p:clrMapOvr>
+  <p:timing>
+    <p:tnLst>
+      <p:par>
+        <p:cTn id="1" dur="indefinite" restart="never" nodeType="tmRoot"/>
+      </p:par>
+    </p:tnLst>
+  </p:timing>
+</p:sld>
+</file>
+
+<file path=ppt/slides/slide11.xml><?xml version="1.0" encoding="utf-8"?>
+<p:sld xmlns:a="http://schemas.openxmlformats.org/drawingml/2006/main" xmlns:r="http://schemas.openxmlformats.org/officeDocument/2006/relationships" xmlns:p="http://schemas.openxmlformats.org/presentationml/2006/main">
+  <p:cSld>
+    <p:spTree>
+      <p:nvGrpSpPr>
+        <p:cNvPr id="1" name=""/>
+        <p:cNvGrpSpPr/>
+        <p:nvPr/>
+      </p:nvGrpSpPr>
+      <p:grpSpPr>
+        <a:xfrm>
+          <a:off x="0" y="0"/>
+          <a:ext cx="0" cy="0"/>
+          <a:chOff x="0" y="0"/>
+          <a:chExt cx="0" cy="0"/>
+        </a:xfrm>
+      </p:grpSpPr>
+      <p:sp>
+        <p:nvSpPr>
+          <p:cNvPr id="2" name="Título 1"/>
+          <p:cNvSpPr>
+            <a:spLocks noGrp="1"/>
+          </p:cNvSpPr>
+          <p:nvPr>
+            <p:ph type="title"/>
+          </p:nvPr>
+        </p:nvSpPr>
+        <p:spPr/>
+        <p:txBody>
+          <a:bodyPr/>
+          <a:lstStyle/>
+          <a:p>
+            <a:r>
+              <a:rPr lang="es-MX" dirty="0" smtClean="0"/>
+              <a:t>REFERENCIAS</a:t>
+            </a:r>
+            <a:endParaRPr lang="es-MX" dirty="0"/>
+          </a:p>
+        </p:txBody>
+      </p:sp>
+      <p:sp>
+        <p:nvSpPr>
+          <p:cNvPr id="3" name="Marcador de contenido 2"/>
+          <p:cNvSpPr>
+            <a:spLocks noGrp="1"/>
+          </p:cNvSpPr>
+          <p:nvPr>
+            <p:ph idx="1"/>
+          </p:nvPr>
+        </p:nvSpPr>
+        <p:spPr/>
+        <p:txBody>
+          <a:bodyPr/>
+          <a:lstStyle/>
+          <a:p>
+            <a:r>
+              <a:rPr lang="es-MX" dirty="0" err="1" smtClean="0"/>
+              <a:t>Cairó</a:t>
+            </a:r>
+            <a:r>
+              <a:rPr lang="es-MX" dirty="0" smtClean="0"/>
+              <a:t> Osvaldo, Metodología de la Programación, Algoritmos, </a:t>
+            </a:r>
+            <a:r>
+              <a:rPr lang="es-MX" dirty="0"/>
+              <a:t>D</a:t>
+            </a:r>
+            <a:r>
+              <a:rPr lang="es-MX" dirty="0" smtClean="0"/>
+              <a:t>iagramas de Flujo y Programas, </a:t>
+            </a:r>
+            <a:r>
+              <a:rPr lang="es-MX" dirty="0" err="1" smtClean="0"/>
+              <a:t>Alfaomega</a:t>
+            </a:r>
+            <a:r>
+              <a:rPr lang="es-MX" dirty="0" smtClean="0"/>
+              <a:t>, 3/a edición, 2005.</a:t>
+            </a:r>
+            <a:endParaRPr lang="es-MX" dirty="0"/>
+          </a:p>
+        </p:txBody>
+      </p:sp>
+    </p:spTree>
+    <p:extLst>
+      <p:ext uri="{BB962C8B-B14F-4D97-AF65-F5344CB8AC3E}">
+        <p14:creationId xmlns:p14="http://schemas.microsoft.com/office/powerpoint/2010/main" val="2740877656"/>
       </p:ext>
     </p:extLst>
   </p:cSld>
@@ -3125,6 +3489,13 @@
   <p:clrMapOvr>
     <a:masterClrMapping/>
   </p:clrMapOvr>
+  <p:timing>
+    <p:tnLst>
+      <p:par>
+        <p:cTn id="1" dur="indefinite" restart="never" nodeType="tmRoot"/>
+      </p:par>
+    </p:tnLst>
+  </p:timing>
 </p:sld>
 </file>
 
@@ -3157,18 +3528,16 @@
         </p:nvSpPr>
         <p:spPr/>
         <p:txBody>
-          <a:bodyPr/>
+          <a:bodyPr>
+            <a:normAutofit/>
+          </a:bodyPr>
           <a:lstStyle/>
           <a:p>
             <a:r>
               <a:rPr lang="es-MX" dirty="0" smtClean="0"/>
-              <a:t>U.T. </a:t>
-            </a:r>
-            <a:r>
-              <a:rPr lang="es-MX" smtClean="0"/>
-              <a:t>2 Estructuras de control y aplicaciones con arreglos</a:t>
-            </a:r>
-            <a:endParaRPr lang="es-MX"/>
+              <a:t>1.1 Estructura de un programa en C</a:t>
+            </a:r>
+            <a:endParaRPr lang="es-MX" dirty="0"/>
           </a:p>
         </p:txBody>
       </p:sp>
@@ -3187,7 +3556,29 @@
           <a:bodyPr/>
           <a:lstStyle/>
           <a:p>
-            <a:endParaRPr lang="es-MX"/>
+            <a:r>
+              <a:rPr lang="es-MX" dirty="0" smtClean="0"/>
+              <a:t>1.1.1 Declaración de entrada / salida</a:t>
+            </a:r>
+          </a:p>
+          <a:p>
+            <a:r>
+              <a:rPr lang="es-MX" dirty="0" smtClean="0"/>
+              <a:t>1.1.2 Uso de identificadores</a:t>
+            </a:r>
+          </a:p>
+          <a:p>
+            <a:r>
+              <a:rPr lang="es-MX" dirty="0" smtClean="0"/>
+              <a:t>1.1.3 Palabras reservadas</a:t>
+            </a:r>
+          </a:p>
+          <a:p>
+            <a:r>
+              <a:rPr lang="es-MX" dirty="0" smtClean="0"/>
+              <a:t>1.1.4 Construcción de un programa en C</a:t>
+            </a:r>
+            <a:endParaRPr lang="es-MX" dirty="0"/>
           </a:p>
         </p:txBody>
       </p:sp>
@@ -3201,6 +3592,1111 @@
   <p:clrMapOvr>
     <a:masterClrMapping/>
   </p:clrMapOvr>
+  <p:timing>
+    <p:tnLst>
+      <p:par>
+        <p:cTn id="1" dur="indefinite" restart="never" nodeType="tmRoot"/>
+      </p:par>
+    </p:tnLst>
+  </p:timing>
+</p:sld>
+</file>
+
+<file path=ppt/slides/slide4.xml><?xml version="1.0" encoding="utf-8"?>
+<p:sld xmlns:a="http://schemas.openxmlformats.org/drawingml/2006/main" xmlns:r="http://schemas.openxmlformats.org/officeDocument/2006/relationships" xmlns:p="http://schemas.openxmlformats.org/presentationml/2006/main">
+  <p:cSld>
+    <p:spTree>
+      <p:nvGrpSpPr>
+        <p:cNvPr id="1" name=""/>
+        <p:cNvGrpSpPr/>
+        <p:nvPr/>
+      </p:nvGrpSpPr>
+      <p:grpSpPr>
+        <a:xfrm>
+          <a:off x="0" y="0"/>
+          <a:ext cx="0" cy="0"/>
+          <a:chOff x="0" y="0"/>
+          <a:chExt cx="0" cy="0"/>
+        </a:xfrm>
+      </p:grpSpPr>
+      <p:sp>
+        <p:nvSpPr>
+          <p:cNvPr id="2" name="Título 1"/>
+          <p:cNvSpPr>
+            <a:spLocks noGrp="1"/>
+          </p:cNvSpPr>
+          <p:nvPr>
+            <p:ph type="title"/>
+          </p:nvPr>
+        </p:nvSpPr>
+        <p:spPr/>
+        <p:txBody>
+          <a:bodyPr/>
+          <a:lstStyle/>
+          <a:p>
+            <a:r>
+              <a:rPr lang="es-MX" dirty="0" smtClean="0"/>
+              <a:t>1.1 Estructura de un programa en C</a:t>
+            </a:r>
+            <a:endParaRPr lang="es-MX" dirty="0"/>
+          </a:p>
+        </p:txBody>
+      </p:sp>
+      <p:sp>
+        <p:nvSpPr>
+          <p:cNvPr id="4" name="CuadroTexto 3"/>
+          <p:cNvSpPr txBox="1"/>
+          <p:nvPr/>
+        </p:nvSpPr>
+        <p:spPr>
+          <a:xfrm>
+            <a:off x="838200" y="1268657"/>
+            <a:ext cx="10905165" cy="1200329"/>
+          </a:xfrm>
+          <a:prstGeom prst="rect">
+            <a:avLst/>
+          </a:prstGeom>
+          <a:noFill/>
+        </p:spPr>
+        <p:txBody>
+          <a:bodyPr wrap="none" rtlCol="0">
+            <a:spAutoFit/>
+          </a:bodyPr>
+          <a:lstStyle/>
+          <a:p>
+            <a:r>
+              <a:rPr lang="es-MX" sz="3600" dirty="0" smtClean="0"/>
+              <a:t>Un programa en lenguaje C se crea a partir de un archivo </a:t>
+            </a:r>
+          </a:p>
+          <a:p>
+            <a:r>
+              <a:rPr lang="es-MX" sz="3600" dirty="0" smtClean="0"/>
+              <a:t>de texto cuyo nombre se guarda con la extensión .c</a:t>
+            </a:r>
+            <a:endParaRPr lang="es-MX" sz="3600" dirty="0"/>
+          </a:p>
+        </p:txBody>
+      </p:sp>
+      <p:sp>
+        <p:nvSpPr>
+          <p:cNvPr id="5" name="CuadroTexto 4"/>
+          <p:cNvSpPr txBox="1"/>
+          <p:nvPr/>
+        </p:nvSpPr>
+        <p:spPr>
+          <a:xfrm>
+            <a:off x="838200" y="2594220"/>
+            <a:ext cx="10862717" cy="3416320"/>
+          </a:xfrm>
+          <a:prstGeom prst="rect">
+            <a:avLst/>
+          </a:prstGeom>
+          <a:noFill/>
+        </p:spPr>
+        <p:txBody>
+          <a:bodyPr wrap="none" rtlCol="0">
+            <a:spAutoFit/>
+          </a:bodyPr>
+          <a:lstStyle/>
+          <a:p>
+            <a:r>
+              <a:rPr lang="es-MX" sz="3600" dirty="0" smtClean="0"/>
+              <a:t>En muchas ocasiones, los programas deben realizar </a:t>
+            </a:r>
+          </a:p>
+          <a:p>
+            <a:r>
+              <a:rPr lang="es-MX" sz="3600" dirty="0"/>
+              <a:t>o</a:t>
+            </a:r>
+            <a:r>
+              <a:rPr lang="es-MX" sz="3600" dirty="0" smtClean="0"/>
+              <a:t>peraciones de entrada y de salida durante su ejecución.</a:t>
+            </a:r>
+          </a:p>
+          <a:p>
+            <a:r>
+              <a:rPr lang="es-MX" sz="3600" dirty="0" smtClean="0"/>
+              <a:t> </a:t>
+            </a:r>
+          </a:p>
+          <a:p>
+            <a:r>
+              <a:rPr lang="es-MX" sz="3600" dirty="0" smtClean="0"/>
+              <a:t>En los programas de lenguaje C más básicos, la entrada </a:t>
+            </a:r>
+          </a:p>
+          <a:p>
+            <a:r>
+              <a:rPr lang="es-MX" sz="3600" dirty="0"/>
+              <a:t>y</a:t>
+            </a:r>
+            <a:r>
+              <a:rPr lang="es-MX" sz="3600" dirty="0" smtClean="0"/>
+              <a:t> la salida se realiza utilizando operaciones especificadas </a:t>
+            </a:r>
+          </a:p>
+          <a:p>
+            <a:r>
+              <a:rPr lang="es-MX" sz="3600" dirty="0"/>
+              <a:t>e</a:t>
+            </a:r>
+            <a:r>
+              <a:rPr lang="es-MX" sz="3600" dirty="0" smtClean="0"/>
+              <a:t>n el archivo de cabecera </a:t>
+            </a:r>
+            <a:r>
+              <a:rPr lang="es-MX" sz="3600" dirty="0" err="1" smtClean="0"/>
+              <a:t>stdio.h</a:t>
+            </a:r>
+            <a:endParaRPr lang="es-MX" sz="3600" dirty="0"/>
+          </a:p>
+        </p:txBody>
+      </p:sp>
+    </p:spTree>
+    <p:extLst>
+      <p:ext uri="{BB962C8B-B14F-4D97-AF65-F5344CB8AC3E}">
+        <p14:creationId xmlns:p14="http://schemas.microsoft.com/office/powerpoint/2010/main" val="546878822"/>
+      </p:ext>
+    </p:extLst>
+  </p:cSld>
+  <p:clrMapOvr>
+    <a:masterClrMapping/>
+  </p:clrMapOvr>
+  <p:timing>
+    <p:tnLst>
+      <p:par>
+        <p:cTn id="1" dur="indefinite" restart="never" nodeType="tmRoot"/>
+      </p:par>
+    </p:tnLst>
+  </p:timing>
+</p:sld>
+</file>
+
+<file path=ppt/slides/slide5.xml><?xml version="1.0" encoding="utf-8"?>
+<p:sld xmlns:a="http://schemas.openxmlformats.org/drawingml/2006/main" xmlns:r="http://schemas.openxmlformats.org/officeDocument/2006/relationships" xmlns:p="http://schemas.openxmlformats.org/presentationml/2006/main">
+  <p:cSld>
+    <p:spTree>
+      <p:nvGrpSpPr>
+        <p:cNvPr id="1" name=""/>
+        <p:cNvGrpSpPr/>
+        <p:nvPr/>
+      </p:nvGrpSpPr>
+      <p:grpSpPr>
+        <a:xfrm>
+          <a:off x="0" y="0"/>
+          <a:ext cx="0" cy="0"/>
+          <a:chOff x="0" y="0"/>
+          <a:chExt cx="0" cy="0"/>
+        </a:xfrm>
+      </p:grpSpPr>
+      <p:sp>
+        <p:nvSpPr>
+          <p:cNvPr id="2" name="Título 1"/>
+          <p:cNvSpPr>
+            <a:spLocks noGrp="1"/>
+          </p:cNvSpPr>
+          <p:nvPr>
+            <p:ph type="title"/>
+          </p:nvPr>
+        </p:nvSpPr>
+        <p:spPr>
+          <a:xfrm>
+            <a:off x="832337" y="0"/>
+            <a:ext cx="10515600" cy="1127980"/>
+          </a:xfrm>
+        </p:spPr>
+        <p:txBody>
+          <a:bodyPr/>
+          <a:lstStyle/>
+          <a:p>
+            <a:r>
+              <a:rPr lang="es-MX" dirty="0" smtClean="0"/>
+              <a:t>1.1.1 Declaración de entrada / salida</a:t>
+            </a:r>
+            <a:endParaRPr lang="es-MX" dirty="0"/>
+          </a:p>
+        </p:txBody>
+      </p:sp>
+      <p:pic>
+        <p:nvPicPr>
+          <p:cNvPr id="4" name="Imagen 3"/>
+          <p:cNvPicPr>
+            <a:picLocks noChangeAspect="1"/>
+          </p:cNvPicPr>
+          <p:nvPr/>
+        </p:nvPicPr>
+        <p:blipFill rotWithShape="1">
+          <a:blip r:embed="rId2"/>
+          <a:srcRect b="55401"/>
+          <a:stretch/>
+        </p:blipFill>
+        <p:spPr>
+          <a:xfrm>
+            <a:off x="832337" y="761877"/>
+            <a:ext cx="10275277" cy="1984498"/>
+          </a:xfrm>
+          <a:prstGeom prst="rect">
+            <a:avLst/>
+          </a:prstGeom>
+        </p:spPr>
+      </p:pic>
+      <p:sp>
+        <p:nvSpPr>
+          <p:cNvPr id="5" name="CuadroTexto 4"/>
+          <p:cNvSpPr txBox="1"/>
+          <p:nvPr/>
+        </p:nvSpPr>
+        <p:spPr>
+          <a:xfrm>
+            <a:off x="832335" y="3497242"/>
+            <a:ext cx="1699824" cy="1200329"/>
+          </a:xfrm>
+          <a:prstGeom prst="rect">
+            <a:avLst/>
+          </a:prstGeom>
+          <a:noFill/>
+        </p:spPr>
+        <p:txBody>
+          <a:bodyPr wrap="none" rtlCol="0">
+            <a:spAutoFit/>
+          </a:bodyPr>
+          <a:lstStyle/>
+          <a:p>
+            <a:r>
+              <a:rPr lang="es-MX" sz="2400" dirty="0" err="1"/>
+              <a:t>i</a:t>
+            </a:r>
+            <a:r>
+              <a:rPr lang="es-MX" sz="2400" dirty="0" err="1" smtClean="0"/>
+              <a:t>nt</a:t>
+            </a:r>
+            <a:r>
+              <a:rPr lang="es-MX" sz="2400" dirty="0" smtClean="0"/>
+              <a:t> </a:t>
+            </a:r>
+            <a:r>
+              <a:rPr lang="es-MX" sz="2400" dirty="0" err="1" smtClean="0"/>
+              <a:t>main</a:t>
+            </a:r>
+            <a:r>
+              <a:rPr lang="es-MX" sz="2400" dirty="0" smtClean="0"/>
+              <a:t> ( ) {</a:t>
+            </a:r>
+          </a:p>
+          <a:p>
+            <a:r>
+              <a:rPr lang="es-MX" sz="2400" dirty="0" smtClean="0"/>
+              <a:t>   // . . .</a:t>
+            </a:r>
+            <a:endParaRPr lang="es-MX" sz="2400" dirty="0"/>
+          </a:p>
+          <a:p>
+            <a:r>
+              <a:rPr lang="es-MX" sz="2400" dirty="0" smtClean="0"/>
+              <a:t>}</a:t>
+            </a:r>
+            <a:endParaRPr lang="es-MX" sz="2400" dirty="0"/>
+          </a:p>
+        </p:txBody>
+      </p:sp>
+      <p:sp>
+        <p:nvSpPr>
+          <p:cNvPr id="6" name="CuadroTexto 5"/>
+          <p:cNvSpPr txBox="1"/>
+          <p:nvPr/>
+        </p:nvSpPr>
+        <p:spPr>
+          <a:xfrm>
+            <a:off x="832335" y="2713073"/>
+            <a:ext cx="10210167" cy="830997"/>
+          </a:xfrm>
+          <a:prstGeom prst="rect">
+            <a:avLst/>
+          </a:prstGeom>
+          <a:noFill/>
+        </p:spPr>
+        <p:txBody>
+          <a:bodyPr wrap="none" rtlCol="0">
+            <a:spAutoFit/>
+          </a:bodyPr>
+          <a:lstStyle/>
+          <a:p>
+            <a:r>
+              <a:rPr lang="es-MX" sz="2400" dirty="0" smtClean="0"/>
+              <a:t>La función principal de un programa es la función </a:t>
+            </a:r>
+            <a:r>
+              <a:rPr lang="es-MX" sz="2400" dirty="0" err="1" smtClean="0"/>
+              <a:t>main</a:t>
+            </a:r>
+            <a:r>
+              <a:rPr lang="es-MX" sz="2400" dirty="0" smtClean="0"/>
+              <a:t>, la cual tiene un valor de </a:t>
+            </a:r>
+          </a:p>
+          <a:p>
+            <a:r>
+              <a:rPr lang="es-MX" sz="2400" dirty="0" smtClean="0"/>
+              <a:t>retorno </a:t>
+            </a:r>
+            <a:r>
+              <a:rPr lang="es-MX" sz="2400" dirty="0" err="1" smtClean="0"/>
+              <a:t>int</a:t>
+            </a:r>
+            <a:r>
+              <a:rPr lang="es-MX" sz="2400" dirty="0" smtClean="0"/>
+              <a:t>. Las acciones que realiza el programa van dentro de las llaves.</a:t>
+            </a:r>
+            <a:endParaRPr lang="es-MX" sz="2400" dirty="0"/>
+          </a:p>
+        </p:txBody>
+      </p:sp>
+      <p:sp>
+        <p:nvSpPr>
+          <p:cNvPr id="7" name="CuadroTexto 6"/>
+          <p:cNvSpPr txBox="1"/>
+          <p:nvPr/>
+        </p:nvSpPr>
+        <p:spPr>
+          <a:xfrm>
+            <a:off x="832334" y="4697571"/>
+            <a:ext cx="10210167" cy="830997"/>
+          </a:xfrm>
+          <a:prstGeom prst="rect">
+            <a:avLst/>
+          </a:prstGeom>
+          <a:noFill/>
+        </p:spPr>
+        <p:txBody>
+          <a:bodyPr wrap="square" rtlCol="0">
+            <a:spAutoFit/>
+          </a:bodyPr>
+          <a:lstStyle/>
+          <a:p>
+            <a:r>
+              <a:rPr lang="es-MX" sz="2400" dirty="0" smtClean="0"/>
+              <a:t>En algunas ocasiones, la función </a:t>
+            </a:r>
+            <a:r>
+              <a:rPr lang="es-MX" sz="2400" dirty="0" err="1" smtClean="0"/>
+              <a:t>main</a:t>
+            </a:r>
+            <a:r>
+              <a:rPr lang="es-MX" sz="2400" dirty="0" smtClean="0"/>
+              <a:t> recibe argumentos, los cuales se indican entre los paréntesis</a:t>
+            </a:r>
+            <a:endParaRPr lang="es-MX" sz="2400" dirty="0"/>
+          </a:p>
+        </p:txBody>
+      </p:sp>
+      <p:sp>
+        <p:nvSpPr>
+          <p:cNvPr id="8" name="CuadroTexto 7"/>
+          <p:cNvSpPr txBox="1"/>
+          <p:nvPr/>
+        </p:nvSpPr>
+        <p:spPr>
+          <a:xfrm>
+            <a:off x="832335" y="5495266"/>
+            <a:ext cx="4262705" cy="1200329"/>
+          </a:xfrm>
+          <a:prstGeom prst="rect">
+            <a:avLst/>
+          </a:prstGeom>
+          <a:noFill/>
+        </p:spPr>
+        <p:txBody>
+          <a:bodyPr wrap="none" rtlCol="0">
+            <a:spAutoFit/>
+          </a:bodyPr>
+          <a:lstStyle/>
+          <a:p>
+            <a:r>
+              <a:rPr lang="es-MX" sz="2400" dirty="0" err="1"/>
+              <a:t>i</a:t>
+            </a:r>
+            <a:r>
+              <a:rPr lang="es-MX" sz="2400" dirty="0" err="1" smtClean="0"/>
+              <a:t>nt</a:t>
+            </a:r>
+            <a:r>
+              <a:rPr lang="es-MX" sz="2400" dirty="0" smtClean="0"/>
+              <a:t> </a:t>
+            </a:r>
+            <a:r>
+              <a:rPr lang="es-MX" sz="2400" dirty="0" err="1" smtClean="0"/>
+              <a:t>main</a:t>
+            </a:r>
+            <a:r>
+              <a:rPr lang="es-MX" sz="2400" dirty="0" smtClean="0"/>
+              <a:t> (</a:t>
+            </a:r>
+            <a:r>
+              <a:rPr lang="es-MX" sz="2400" dirty="0" err="1" smtClean="0"/>
+              <a:t>int</a:t>
+            </a:r>
+            <a:r>
+              <a:rPr lang="es-MX" sz="2400" dirty="0" smtClean="0"/>
+              <a:t> </a:t>
+            </a:r>
+            <a:r>
+              <a:rPr lang="es-MX" sz="2400" dirty="0" err="1" smtClean="0"/>
+              <a:t>argc,char</a:t>
+            </a:r>
+            <a:r>
+              <a:rPr lang="es-MX" sz="2400" dirty="0" smtClean="0"/>
+              <a:t> *</a:t>
+            </a:r>
+            <a:r>
+              <a:rPr lang="es-MX" sz="2400" dirty="0" err="1" smtClean="0"/>
+              <a:t>argv</a:t>
+            </a:r>
+            <a:r>
+              <a:rPr lang="es-MX" sz="2400" dirty="0" smtClean="0"/>
+              <a:t>[ ]) {</a:t>
+            </a:r>
+          </a:p>
+          <a:p>
+            <a:r>
+              <a:rPr lang="es-MX" sz="2400" dirty="0" smtClean="0"/>
+              <a:t>   // . . .</a:t>
+            </a:r>
+            <a:endParaRPr lang="es-MX" sz="2400" dirty="0"/>
+          </a:p>
+          <a:p>
+            <a:r>
+              <a:rPr lang="es-MX" sz="2400" dirty="0" smtClean="0"/>
+              <a:t>}</a:t>
+            </a:r>
+            <a:endParaRPr lang="es-MX" sz="2400" dirty="0"/>
+          </a:p>
+        </p:txBody>
+      </p:sp>
+    </p:spTree>
+    <p:extLst>
+      <p:ext uri="{BB962C8B-B14F-4D97-AF65-F5344CB8AC3E}">
+        <p14:creationId xmlns:p14="http://schemas.microsoft.com/office/powerpoint/2010/main" val="4098160655"/>
+      </p:ext>
+    </p:extLst>
+  </p:cSld>
+  <p:clrMapOvr>
+    <a:masterClrMapping/>
+  </p:clrMapOvr>
+  <p:timing>
+    <p:tnLst>
+      <p:par>
+        <p:cTn id="1" dur="indefinite" restart="never" nodeType="tmRoot"/>
+      </p:par>
+    </p:tnLst>
+  </p:timing>
+</p:sld>
+</file>
+
+<file path=ppt/slides/slide6.xml><?xml version="1.0" encoding="utf-8"?>
+<p:sld xmlns:a="http://schemas.openxmlformats.org/drawingml/2006/main" xmlns:r="http://schemas.openxmlformats.org/officeDocument/2006/relationships" xmlns:p="http://schemas.openxmlformats.org/presentationml/2006/main">
+  <p:cSld>
+    <p:spTree>
+      <p:nvGrpSpPr>
+        <p:cNvPr id="1" name=""/>
+        <p:cNvGrpSpPr/>
+        <p:nvPr/>
+      </p:nvGrpSpPr>
+      <p:grpSpPr>
+        <a:xfrm>
+          <a:off x="0" y="0"/>
+          <a:ext cx="0" cy="0"/>
+          <a:chOff x="0" y="0"/>
+          <a:chExt cx="0" cy="0"/>
+        </a:xfrm>
+      </p:grpSpPr>
+      <p:sp>
+        <p:nvSpPr>
+          <p:cNvPr id="2" name="Título 1"/>
+          <p:cNvSpPr>
+            <a:spLocks noGrp="1"/>
+          </p:cNvSpPr>
+          <p:nvPr>
+            <p:ph type="title"/>
+          </p:nvPr>
+        </p:nvSpPr>
+        <p:spPr/>
+        <p:txBody>
+          <a:bodyPr/>
+          <a:lstStyle/>
+          <a:p>
+            <a:r>
+              <a:rPr lang="es-MX" dirty="0" smtClean="0"/>
+              <a:t>Los tipos de datos</a:t>
+            </a:r>
+            <a:endParaRPr lang="es-MX" dirty="0"/>
+          </a:p>
+        </p:txBody>
+      </p:sp>
+      <p:sp>
+        <p:nvSpPr>
+          <p:cNvPr id="4" name="CuadroTexto 3"/>
+          <p:cNvSpPr txBox="1"/>
+          <p:nvPr/>
+        </p:nvSpPr>
+        <p:spPr>
+          <a:xfrm>
+            <a:off x="838200" y="1229023"/>
+            <a:ext cx="1991764" cy="461665"/>
+          </a:xfrm>
+          <a:prstGeom prst="rect">
+            <a:avLst/>
+          </a:prstGeom>
+          <a:noFill/>
+        </p:spPr>
+        <p:txBody>
+          <a:bodyPr wrap="none" rtlCol="0">
+            <a:spAutoFit/>
+          </a:bodyPr>
+          <a:lstStyle/>
+          <a:p>
+            <a:r>
+              <a:rPr lang="es-MX" sz="2400" dirty="0" smtClean="0"/>
+              <a:t>Tipos de datos</a:t>
+            </a:r>
+          </a:p>
+        </p:txBody>
+      </p:sp>
+      <p:pic>
+        <p:nvPicPr>
+          <p:cNvPr id="5" name="Imagen 4"/>
+          <p:cNvPicPr>
+            <a:picLocks noChangeAspect="1"/>
+          </p:cNvPicPr>
+          <p:nvPr/>
+        </p:nvPicPr>
+        <p:blipFill>
+          <a:blip r:embed="rId2"/>
+          <a:stretch>
+            <a:fillRect/>
+          </a:stretch>
+        </p:blipFill>
+        <p:spPr>
+          <a:xfrm>
+            <a:off x="838200" y="1690688"/>
+            <a:ext cx="9958754" cy="1317082"/>
+          </a:xfrm>
+          <a:prstGeom prst="rect">
+            <a:avLst/>
+          </a:prstGeom>
+        </p:spPr>
+      </p:pic>
+      <p:sp>
+        <p:nvSpPr>
+          <p:cNvPr id="6" name="CuadroTexto 5"/>
+          <p:cNvSpPr txBox="1"/>
+          <p:nvPr/>
+        </p:nvSpPr>
+        <p:spPr>
+          <a:xfrm>
+            <a:off x="838200" y="2882445"/>
+            <a:ext cx="10976531" cy="2308324"/>
+          </a:xfrm>
+          <a:prstGeom prst="rect">
+            <a:avLst/>
+          </a:prstGeom>
+          <a:noFill/>
+        </p:spPr>
+        <p:txBody>
+          <a:bodyPr wrap="none" rtlCol="0">
+            <a:spAutoFit/>
+          </a:bodyPr>
+          <a:lstStyle/>
+          <a:p>
+            <a:r>
+              <a:rPr lang="es-MX" sz="2400" dirty="0" smtClean="0"/>
+              <a:t>Los </a:t>
+            </a:r>
+            <a:r>
+              <a:rPr lang="es-MX" sz="2400" b="1" dirty="0" smtClean="0"/>
+              <a:t>datos simples</a:t>
+            </a:r>
+            <a:r>
+              <a:rPr lang="es-MX" sz="2400" dirty="0" smtClean="0"/>
+              <a:t> corresponden a valores:  enteros, reales, caracteres, booleanos. </a:t>
+            </a:r>
+          </a:p>
+          <a:p>
+            <a:r>
+              <a:rPr lang="es-MX" sz="2400" dirty="0" smtClean="0"/>
+              <a:t>Los </a:t>
+            </a:r>
+            <a:r>
+              <a:rPr lang="es-MX" sz="2400" b="1" dirty="0" smtClean="0"/>
+              <a:t>datos estructurados</a:t>
+            </a:r>
+            <a:r>
+              <a:rPr lang="es-MX" sz="2400" dirty="0" smtClean="0"/>
+              <a:t> se caracterizan por el hecho de que con un nombre se hace </a:t>
+            </a:r>
+          </a:p>
+          <a:p>
+            <a:r>
+              <a:rPr lang="es-MX" sz="2400" dirty="0"/>
+              <a:t>r</a:t>
+            </a:r>
+            <a:r>
+              <a:rPr lang="es-MX" sz="2400" dirty="0" smtClean="0"/>
+              <a:t>eferencia a un conjunto de más de un dato simple. Es decir, un dato estructurado </a:t>
+            </a:r>
+          </a:p>
+          <a:p>
+            <a:r>
+              <a:rPr lang="es-MX" sz="2400" dirty="0"/>
+              <a:t>t</a:t>
+            </a:r>
+            <a:r>
+              <a:rPr lang="es-MX" sz="2400" dirty="0" smtClean="0"/>
+              <a:t>iene varios componentes. Cada uno de los componentes puede ser a su vez un dato </a:t>
+            </a:r>
+          </a:p>
+          <a:p>
+            <a:r>
+              <a:rPr lang="es-MX" sz="2400" dirty="0" smtClean="0"/>
+              <a:t>simple o estructurado. Dentro de este grupo de datos se encuentran: arreglos, cadena </a:t>
+            </a:r>
+          </a:p>
+          <a:p>
+            <a:r>
+              <a:rPr lang="es-MX" sz="2400" dirty="0"/>
+              <a:t>d</a:t>
+            </a:r>
+            <a:r>
+              <a:rPr lang="es-MX" sz="2400" dirty="0" smtClean="0"/>
+              <a:t>e caracteres, registros y conjuntos.</a:t>
+            </a:r>
+            <a:endParaRPr lang="es-MX" sz="2400" dirty="0"/>
+          </a:p>
+        </p:txBody>
+      </p:sp>
+    </p:spTree>
+    <p:extLst>
+      <p:ext uri="{BB962C8B-B14F-4D97-AF65-F5344CB8AC3E}">
+        <p14:creationId xmlns:p14="http://schemas.microsoft.com/office/powerpoint/2010/main" val="2650085774"/>
+      </p:ext>
+    </p:extLst>
+  </p:cSld>
+  <p:clrMapOvr>
+    <a:masterClrMapping/>
+  </p:clrMapOvr>
+  <p:timing>
+    <p:tnLst>
+      <p:par>
+        <p:cTn id="1" dur="indefinite" restart="never" nodeType="tmRoot"/>
+      </p:par>
+    </p:tnLst>
+  </p:timing>
+</p:sld>
+</file>
+
+<file path=ppt/slides/slide7.xml><?xml version="1.0" encoding="utf-8"?>
+<p:sld xmlns:a="http://schemas.openxmlformats.org/drawingml/2006/main" xmlns:r="http://schemas.openxmlformats.org/officeDocument/2006/relationships" xmlns:p="http://schemas.openxmlformats.org/presentationml/2006/main">
+  <p:cSld>
+    <p:spTree>
+      <p:nvGrpSpPr>
+        <p:cNvPr id="1" name=""/>
+        <p:cNvGrpSpPr/>
+        <p:nvPr/>
+      </p:nvGrpSpPr>
+      <p:grpSpPr>
+        <a:xfrm>
+          <a:off x="0" y="0"/>
+          <a:ext cx="0" cy="0"/>
+          <a:chOff x="0" y="0"/>
+          <a:chExt cx="0" cy="0"/>
+        </a:xfrm>
+      </p:grpSpPr>
+      <p:sp>
+        <p:nvSpPr>
+          <p:cNvPr id="2" name="Título 1"/>
+          <p:cNvSpPr>
+            <a:spLocks noGrp="1"/>
+          </p:cNvSpPr>
+          <p:nvPr>
+            <p:ph type="title"/>
+          </p:nvPr>
+        </p:nvSpPr>
+        <p:spPr>
+          <a:xfrm>
+            <a:off x="838200" y="0"/>
+            <a:ext cx="10515600" cy="1325563"/>
+          </a:xfrm>
+        </p:spPr>
+        <p:txBody>
+          <a:bodyPr/>
+          <a:lstStyle/>
+          <a:p>
+            <a:r>
+              <a:rPr lang="es-MX" dirty="0" smtClean="0"/>
+              <a:t>1.1.2 Uso de identificadores</a:t>
+            </a:r>
+            <a:endParaRPr lang="es-MX" dirty="0"/>
+          </a:p>
+        </p:txBody>
+      </p:sp>
+      <p:pic>
+        <p:nvPicPr>
+          <p:cNvPr id="7" name="Imagen 6"/>
+          <p:cNvPicPr>
+            <a:picLocks noChangeAspect="1"/>
+          </p:cNvPicPr>
+          <p:nvPr/>
+        </p:nvPicPr>
+        <p:blipFill>
+          <a:blip r:embed="rId2"/>
+          <a:stretch>
+            <a:fillRect/>
+          </a:stretch>
+        </p:blipFill>
+        <p:spPr>
+          <a:xfrm>
+            <a:off x="838200" y="1093554"/>
+            <a:ext cx="10384959" cy="1807908"/>
+          </a:xfrm>
+          <a:prstGeom prst="rect">
+            <a:avLst/>
+          </a:prstGeom>
+        </p:spPr>
+      </p:pic>
+      <p:sp>
+        <p:nvSpPr>
+          <p:cNvPr id="8" name="CuadroTexto 7"/>
+          <p:cNvSpPr txBox="1"/>
+          <p:nvPr/>
+        </p:nvSpPr>
+        <p:spPr>
+          <a:xfrm>
+            <a:off x="838200" y="3341077"/>
+            <a:ext cx="10725950" cy="1569660"/>
+          </a:xfrm>
+          <a:prstGeom prst="rect">
+            <a:avLst/>
+          </a:prstGeom>
+          <a:noFill/>
+        </p:spPr>
+        <p:txBody>
+          <a:bodyPr wrap="none" rtlCol="0">
+            <a:spAutoFit/>
+          </a:bodyPr>
+          <a:lstStyle/>
+          <a:p>
+            <a:r>
+              <a:rPr lang="es-MX" sz="2400" dirty="0" smtClean="0"/>
+              <a:t>Se le llama </a:t>
+            </a:r>
+            <a:r>
+              <a:rPr lang="es-MX" sz="2400" b="1" dirty="0" smtClean="0"/>
+              <a:t>identificador</a:t>
+            </a:r>
+            <a:r>
+              <a:rPr lang="es-MX" sz="2400" dirty="0" smtClean="0"/>
+              <a:t> al nombre que se les da a las casillas de memoria en donde </a:t>
+            </a:r>
+          </a:p>
+          <a:p>
+            <a:r>
+              <a:rPr lang="es-MX" sz="2400" dirty="0"/>
+              <a:t>s</a:t>
+            </a:r>
+            <a:r>
+              <a:rPr lang="es-MX" sz="2400" dirty="0" smtClean="0"/>
+              <a:t>e tienen almacenados los valores de los datos (simples o estructurados). Un </a:t>
+            </a:r>
+          </a:p>
+          <a:p>
+            <a:r>
+              <a:rPr lang="es-MX" sz="2400" dirty="0"/>
+              <a:t>i</a:t>
+            </a:r>
+            <a:r>
+              <a:rPr lang="es-MX" sz="2400" dirty="0" smtClean="0"/>
+              <a:t>dentificador se forma de acuerdo a ciertas reglas que pueden tener alguna variante </a:t>
+            </a:r>
+          </a:p>
+          <a:p>
+            <a:r>
+              <a:rPr lang="es-MX" sz="2400" dirty="0"/>
+              <a:t>d</a:t>
+            </a:r>
+            <a:r>
+              <a:rPr lang="es-MX" sz="2400" dirty="0" smtClean="0"/>
+              <a:t>ependiendo del lenguaje de programación utilizado.</a:t>
+            </a:r>
+            <a:endParaRPr lang="es-MX" sz="2400" dirty="0"/>
+          </a:p>
+        </p:txBody>
+      </p:sp>
+    </p:spTree>
+    <p:extLst>
+      <p:ext uri="{BB962C8B-B14F-4D97-AF65-F5344CB8AC3E}">
+        <p14:creationId xmlns:p14="http://schemas.microsoft.com/office/powerpoint/2010/main" val="4121085236"/>
+      </p:ext>
+    </p:extLst>
+  </p:cSld>
+  <p:clrMapOvr>
+    <a:masterClrMapping/>
+  </p:clrMapOvr>
+  <p:timing>
+    <p:tnLst>
+      <p:par>
+        <p:cTn id="1" dur="indefinite" restart="never" nodeType="tmRoot"/>
+      </p:par>
+    </p:tnLst>
+  </p:timing>
+</p:sld>
+</file>
+
+<file path=ppt/slides/slide8.xml><?xml version="1.0" encoding="utf-8"?>
+<p:sld xmlns:a="http://schemas.openxmlformats.org/drawingml/2006/main" xmlns:r="http://schemas.openxmlformats.org/officeDocument/2006/relationships" xmlns:p="http://schemas.openxmlformats.org/presentationml/2006/main">
+  <p:cSld>
+    <p:spTree>
+      <p:nvGrpSpPr>
+        <p:cNvPr id="1" name=""/>
+        <p:cNvGrpSpPr/>
+        <p:nvPr/>
+      </p:nvGrpSpPr>
+      <p:grpSpPr>
+        <a:xfrm>
+          <a:off x="0" y="0"/>
+          <a:ext cx="0" cy="0"/>
+          <a:chOff x="0" y="0"/>
+          <a:chExt cx="0" cy="0"/>
+        </a:xfrm>
+      </p:grpSpPr>
+      <p:sp>
+        <p:nvSpPr>
+          <p:cNvPr id="2" name="Título 1"/>
+          <p:cNvSpPr>
+            <a:spLocks noGrp="1"/>
+          </p:cNvSpPr>
+          <p:nvPr>
+            <p:ph type="title"/>
+          </p:nvPr>
+        </p:nvSpPr>
+        <p:spPr>
+          <a:xfrm>
+            <a:off x="785447" y="0"/>
+            <a:ext cx="10515600" cy="1325563"/>
+          </a:xfrm>
+        </p:spPr>
+        <p:txBody>
+          <a:bodyPr/>
+          <a:lstStyle/>
+          <a:p>
+            <a:r>
+              <a:rPr lang="es-MX" dirty="0" smtClean="0"/>
+              <a:t>Ejemplos de identificadores</a:t>
+            </a:r>
+            <a:endParaRPr lang="es-MX" dirty="0"/>
+          </a:p>
+        </p:txBody>
+      </p:sp>
+      <p:pic>
+        <p:nvPicPr>
+          <p:cNvPr id="4" name="Imagen 3"/>
+          <p:cNvPicPr>
+            <a:picLocks noChangeAspect="1"/>
+          </p:cNvPicPr>
+          <p:nvPr/>
+        </p:nvPicPr>
+        <p:blipFill>
+          <a:blip r:embed="rId2"/>
+          <a:stretch>
+            <a:fillRect/>
+          </a:stretch>
+        </p:blipFill>
+        <p:spPr>
+          <a:xfrm>
+            <a:off x="785446" y="1011115"/>
+            <a:ext cx="8411307" cy="5220811"/>
+          </a:xfrm>
+          <a:prstGeom prst="rect">
+            <a:avLst/>
+          </a:prstGeom>
+        </p:spPr>
+      </p:pic>
+    </p:spTree>
+    <p:extLst>
+      <p:ext uri="{BB962C8B-B14F-4D97-AF65-F5344CB8AC3E}">
+        <p14:creationId xmlns:p14="http://schemas.microsoft.com/office/powerpoint/2010/main" val="1976146149"/>
+      </p:ext>
+    </p:extLst>
+  </p:cSld>
+  <p:clrMapOvr>
+    <a:masterClrMapping/>
+  </p:clrMapOvr>
+  <p:timing>
+    <p:tnLst>
+      <p:par>
+        <p:cTn id="1" dur="indefinite" restart="never" nodeType="tmRoot"/>
+      </p:par>
+    </p:tnLst>
+  </p:timing>
+</p:sld>
+</file>
+
+<file path=ppt/slides/slide9.xml><?xml version="1.0" encoding="utf-8"?>
+<p:sld xmlns:a="http://schemas.openxmlformats.org/drawingml/2006/main" xmlns:r="http://schemas.openxmlformats.org/officeDocument/2006/relationships" xmlns:p="http://schemas.openxmlformats.org/presentationml/2006/main">
+  <p:cSld>
+    <p:spTree>
+      <p:nvGrpSpPr>
+        <p:cNvPr id="1" name=""/>
+        <p:cNvGrpSpPr/>
+        <p:nvPr/>
+      </p:nvGrpSpPr>
+      <p:grpSpPr>
+        <a:xfrm>
+          <a:off x="0" y="0"/>
+          <a:ext cx="0" cy="0"/>
+          <a:chOff x="0" y="0"/>
+          <a:chExt cx="0" cy="0"/>
+        </a:xfrm>
+      </p:grpSpPr>
+      <p:sp>
+        <p:nvSpPr>
+          <p:cNvPr id="2" name="Título 1"/>
+          <p:cNvSpPr>
+            <a:spLocks noGrp="1"/>
+          </p:cNvSpPr>
+          <p:nvPr>
+            <p:ph type="title"/>
+          </p:nvPr>
+        </p:nvSpPr>
+        <p:spPr>
+          <a:xfrm>
+            <a:off x="838200" y="0"/>
+            <a:ext cx="10515600" cy="1325563"/>
+          </a:xfrm>
+        </p:spPr>
+        <p:txBody>
+          <a:bodyPr/>
+          <a:lstStyle/>
+          <a:p>
+            <a:r>
+              <a:rPr lang="es-MX" dirty="0" smtClean="0"/>
+              <a:t>1.1.3 Palabras reservadas</a:t>
+            </a:r>
+            <a:endParaRPr lang="es-MX" dirty="0"/>
+          </a:p>
+        </p:txBody>
+      </p:sp>
+      <p:sp>
+        <p:nvSpPr>
+          <p:cNvPr id="4" name="CuadroTexto 3"/>
+          <p:cNvSpPr txBox="1"/>
+          <p:nvPr/>
+        </p:nvSpPr>
+        <p:spPr>
+          <a:xfrm>
+            <a:off x="1037493" y="956231"/>
+            <a:ext cx="9840386" cy="830997"/>
+          </a:xfrm>
+          <a:prstGeom prst="rect">
+            <a:avLst/>
+          </a:prstGeom>
+          <a:noFill/>
+        </p:spPr>
+        <p:txBody>
+          <a:bodyPr wrap="none" rtlCol="0">
+            <a:spAutoFit/>
+          </a:bodyPr>
+          <a:lstStyle/>
+          <a:p>
+            <a:r>
+              <a:rPr lang="es-MX" sz="2400" dirty="0" smtClean="0"/>
+              <a:t>En cada lenguaje de programación existe un conjunto de palabras reservadas </a:t>
+            </a:r>
+          </a:p>
+          <a:p>
+            <a:r>
+              <a:rPr lang="es-MX" sz="2400" dirty="0"/>
+              <a:t>q</a:t>
+            </a:r>
+            <a:r>
+              <a:rPr lang="es-MX" sz="2400" dirty="0" smtClean="0"/>
+              <a:t>ue no pueden ser utilizadas como identificadores.</a:t>
+            </a:r>
+            <a:endParaRPr lang="es-MX" sz="2400" dirty="0"/>
+          </a:p>
+        </p:txBody>
+      </p:sp>
+      <p:pic>
+        <p:nvPicPr>
+          <p:cNvPr id="5" name="Imagen 4"/>
+          <p:cNvPicPr>
+            <a:picLocks noChangeAspect="1"/>
+          </p:cNvPicPr>
+          <p:nvPr/>
+        </p:nvPicPr>
+        <p:blipFill>
+          <a:blip r:embed="rId2"/>
+          <a:stretch>
+            <a:fillRect/>
+          </a:stretch>
+        </p:blipFill>
+        <p:spPr>
+          <a:xfrm>
+            <a:off x="2085780" y="2050961"/>
+            <a:ext cx="8020440" cy="2905668"/>
+          </a:xfrm>
+          <a:prstGeom prst="rect">
+            <a:avLst/>
+          </a:prstGeom>
+        </p:spPr>
+      </p:pic>
+      <p:sp>
+        <p:nvSpPr>
+          <p:cNvPr id="6" name="CuadroTexto 5"/>
+          <p:cNvSpPr txBox="1"/>
+          <p:nvPr/>
+        </p:nvSpPr>
+        <p:spPr>
+          <a:xfrm>
+            <a:off x="3717778" y="5220363"/>
+            <a:ext cx="4479816" cy="461665"/>
+          </a:xfrm>
+          <a:prstGeom prst="rect">
+            <a:avLst/>
+          </a:prstGeom>
+          <a:noFill/>
+        </p:spPr>
+        <p:txBody>
+          <a:bodyPr wrap="none" rtlCol="0">
+            <a:spAutoFit/>
+          </a:bodyPr>
+          <a:lstStyle/>
+          <a:p>
+            <a:r>
+              <a:rPr lang="es-MX" sz="2400" dirty="0" smtClean="0"/>
+              <a:t>Palabras reservadas del lenguaje C</a:t>
+            </a:r>
+            <a:endParaRPr lang="es-MX" sz="2400" dirty="0"/>
+          </a:p>
+        </p:txBody>
+      </p:sp>
+    </p:spTree>
+    <p:extLst>
+      <p:ext uri="{BB962C8B-B14F-4D97-AF65-F5344CB8AC3E}">
+        <p14:creationId xmlns:p14="http://schemas.microsoft.com/office/powerpoint/2010/main" val="2834284245"/>
+      </p:ext>
+    </p:extLst>
+  </p:cSld>
+  <p:clrMapOvr>
+    <a:masterClrMapping/>
+  </p:clrMapOvr>
+  <p:timing>
+    <p:tnLst>
+      <p:par>
+        <p:cTn id="1" dur="indefinite" restart="never" nodeType="tmRoot"/>
+      </p:par>
+    </p:tnLst>
+  </p:timing>
 </p:sld>
 </file>
 

--- a/U1_Introduccion_a_la_programacion/U1.pptx
+++ b/U1_Introduccion_a_la_programacion/U1.pptx
@@ -253,7 +253,7 @@
           <a:p>
             <a:fld id="{8B32568F-7C32-410A-8CFC-723CE3E578A8}" type="datetimeFigureOut">
               <a:rPr lang="es-MX" smtClean="0"/>
-              <a:t>23/02/2021</a:t>
+              <a:t>01/03/2021</a:t>
             </a:fld>
             <a:endParaRPr lang="es-MX"/>
           </a:p>
@@ -423,7 +423,7 @@
           <a:p>
             <a:fld id="{8B32568F-7C32-410A-8CFC-723CE3E578A8}" type="datetimeFigureOut">
               <a:rPr lang="es-MX" smtClean="0"/>
-              <a:t>23/02/2021</a:t>
+              <a:t>01/03/2021</a:t>
             </a:fld>
             <a:endParaRPr lang="es-MX"/>
           </a:p>
@@ -603,7 +603,7 @@
           <a:p>
             <a:fld id="{8B32568F-7C32-410A-8CFC-723CE3E578A8}" type="datetimeFigureOut">
               <a:rPr lang="es-MX" smtClean="0"/>
-              <a:t>23/02/2021</a:t>
+              <a:t>01/03/2021</a:t>
             </a:fld>
             <a:endParaRPr lang="es-MX"/>
           </a:p>
@@ -773,7 +773,7 @@
           <a:p>
             <a:fld id="{8B32568F-7C32-410A-8CFC-723CE3E578A8}" type="datetimeFigureOut">
               <a:rPr lang="es-MX" smtClean="0"/>
-              <a:t>23/02/2021</a:t>
+              <a:t>01/03/2021</a:t>
             </a:fld>
             <a:endParaRPr lang="es-MX"/>
           </a:p>
@@ -1019,7 +1019,7 @@
           <a:p>
             <a:fld id="{8B32568F-7C32-410A-8CFC-723CE3E578A8}" type="datetimeFigureOut">
               <a:rPr lang="es-MX" smtClean="0"/>
-              <a:t>23/02/2021</a:t>
+              <a:t>01/03/2021</a:t>
             </a:fld>
             <a:endParaRPr lang="es-MX"/>
           </a:p>
@@ -1251,7 +1251,7 @@
           <a:p>
             <a:fld id="{8B32568F-7C32-410A-8CFC-723CE3E578A8}" type="datetimeFigureOut">
               <a:rPr lang="es-MX" smtClean="0"/>
-              <a:t>23/02/2021</a:t>
+              <a:t>01/03/2021</a:t>
             </a:fld>
             <a:endParaRPr lang="es-MX"/>
           </a:p>
@@ -1618,7 +1618,7 @@
           <a:p>
             <a:fld id="{8B32568F-7C32-410A-8CFC-723CE3E578A8}" type="datetimeFigureOut">
               <a:rPr lang="es-MX" smtClean="0"/>
-              <a:t>23/02/2021</a:t>
+              <a:t>01/03/2021</a:t>
             </a:fld>
             <a:endParaRPr lang="es-MX"/>
           </a:p>
@@ -1736,7 +1736,7 @@
           <a:p>
             <a:fld id="{8B32568F-7C32-410A-8CFC-723CE3E578A8}" type="datetimeFigureOut">
               <a:rPr lang="es-MX" smtClean="0"/>
-              <a:t>23/02/2021</a:t>
+              <a:t>01/03/2021</a:t>
             </a:fld>
             <a:endParaRPr lang="es-MX"/>
           </a:p>
@@ -1831,7 +1831,7 @@
           <a:p>
             <a:fld id="{8B32568F-7C32-410A-8CFC-723CE3E578A8}" type="datetimeFigureOut">
               <a:rPr lang="es-MX" smtClean="0"/>
-              <a:t>23/02/2021</a:t>
+              <a:t>01/03/2021</a:t>
             </a:fld>
             <a:endParaRPr lang="es-MX"/>
           </a:p>
@@ -2108,7 +2108,7 @@
           <a:p>
             <a:fld id="{8B32568F-7C32-410A-8CFC-723CE3E578A8}" type="datetimeFigureOut">
               <a:rPr lang="es-MX" smtClean="0"/>
-              <a:t>23/02/2021</a:t>
+              <a:t>01/03/2021</a:t>
             </a:fld>
             <a:endParaRPr lang="es-MX"/>
           </a:p>
@@ -2361,7 +2361,7 @@
           <a:p>
             <a:fld id="{8B32568F-7C32-410A-8CFC-723CE3E578A8}" type="datetimeFigureOut">
               <a:rPr lang="es-MX" smtClean="0"/>
-              <a:t>23/02/2021</a:t>
+              <a:t>01/03/2021</a:t>
             </a:fld>
             <a:endParaRPr lang="es-MX"/>
           </a:p>
@@ -2574,7 +2574,7 @@
           <a:p>
             <a:fld id="{8B32568F-7C32-410A-8CFC-723CE3E578A8}" type="datetimeFigureOut">
               <a:rPr lang="es-MX" smtClean="0"/>
-              <a:t>23/02/2021</a:t>
+              <a:t>01/03/2021</a:t>
             </a:fld>
             <a:endParaRPr lang="es-MX"/>
           </a:p>
@@ -3373,7 +3373,16 @@
               <a:rPr lang="es-MX" dirty="0" smtClean="0"/>
               <a:t>, 3/a edición, 2005.</a:t>
             </a:r>
-            <a:endParaRPr lang="es-MX" dirty="0"/>
+          </a:p>
+          <a:p>
+            <a:r>
+              <a:rPr lang="es-MX" dirty="0" smtClean="0"/>
+              <a:t>Bonet Esteban, E. V., Lenguaje C </a:t>
+            </a:r>
+            <a:r>
+              <a:rPr lang="es-MX" dirty="0"/>
+              <a:t>, https://informatica.uv.es/estguia/ATD/apuntes/laboratorio/Lenguaje-C.pdf</a:t>
+            </a:r>
           </a:p>
         </p:txBody>
       </p:sp>
@@ -3387,6 +3396,13 @@
   <p:clrMapOvr>
     <a:masterClrMapping/>
   </p:clrMapOvr>
+  <p:timing>
+    <p:tnLst>
+      <p:par>
+        <p:cTn id="1" dur="indefinite" restart="never" nodeType="tmRoot"/>
+      </p:par>
+    </p:tnLst>
+  </p:timing>
 </p:sld>
 </file>
 
@@ -4626,9 +4642,39 @@
           </a:p>
         </p:txBody>
       </p:sp>
+      <p:sp>
+        <p:nvSpPr>
+          <p:cNvPr id="6" name="CuadroTexto 5"/>
+          <p:cNvSpPr txBox="1"/>
+          <p:nvPr/>
+        </p:nvSpPr>
+        <p:spPr>
+          <a:xfrm>
+            <a:off x="3594686" y="5170987"/>
+            <a:ext cx="4479816" cy="461665"/>
+          </a:xfrm>
+          <a:prstGeom prst="rect">
+            <a:avLst/>
+          </a:prstGeom>
+          <a:noFill/>
+        </p:spPr>
+        <p:txBody>
+          <a:bodyPr wrap="none" rtlCol="0">
+            <a:spAutoFit/>
+          </a:bodyPr>
+          <a:lstStyle/>
+          <a:p>
+            <a:r>
+              <a:rPr lang="es-MX" sz="2400" dirty="0" smtClean="0"/>
+              <a:t>Palabras reservadas del lenguaje C</a:t>
+            </a:r>
+            <a:endParaRPr lang="es-MX" sz="2400" dirty="0"/>
+          </a:p>
+        </p:txBody>
+      </p:sp>
       <p:pic>
         <p:nvPicPr>
-          <p:cNvPr id="5" name="Imagen 4"/>
+          <p:cNvPr id="3" name="Imagen 2"/>
           <p:cNvPicPr>
             <a:picLocks noChangeAspect="1"/>
           </p:cNvPicPr>
@@ -4642,44 +4688,61 @@
         </p:blipFill>
         <p:spPr>
           <a:xfrm>
-            <a:off x="2085780" y="2050961"/>
-            <a:ext cx="8020440" cy="2905668"/>
+            <a:off x="1133789" y="3408869"/>
+            <a:ext cx="9924419" cy="954698"/>
           </a:xfrm>
           <a:prstGeom prst="rect">
             <a:avLst/>
           </a:prstGeom>
         </p:spPr>
       </p:pic>
-      <p:sp>
-        <p:nvSpPr>
-          <p:cNvPr id="6" name="CuadroTexto 5"/>
-          <p:cNvSpPr txBox="1"/>
+      <p:pic>
+        <p:nvPicPr>
+          <p:cNvPr id="7" name="Imagen 6"/>
+          <p:cNvPicPr>
+            <a:picLocks noChangeAspect="1"/>
+          </p:cNvPicPr>
           <p:nvPr/>
-        </p:nvSpPr>
+        </p:nvPicPr>
+        <p:blipFill rotWithShape="1">
+          <a:blip r:embed="rId3"/>
+          <a:srcRect b="6902"/>
+          <a:stretch/>
+        </p:blipFill>
         <p:spPr>
           <a:xfrm>
-            <a:off x="3717778" y="5220363"/>
-            <a:ext cx="4479816" cy="461665"/>
+            <a:off x="1133790" y="4278622"/>
+            <a:ext cx="9924419" cy="651833"/>
           </a:xfrm>
           <a:prstGeom prst="rect">
             <a:avLst/>
           </a:prstGeom>
-          <a:noFill/>
         </p:spPr>
-        <p:txBody>
-          <a:bodyPr wrap="none" rtlCol="0">
-            <a:spAutoFit/>
-          </a:bodyPr>
-          <a:lstStyle/>
-          <a:p>
-            <a:r>
-              <a:rPr lang="es-MX" sz="2400" dirty="0" smtClean="0"/>
-              <a:t>Palabras reservadas del lenguaje C</a:t>
-            </a:r>
-            <a:endParaRPr lang="es-MX" sz="2400" dirty="0"/>
-          </a:p>
-        </p:txBody>
-      </p:sp>
+      </p:pic>
+      <p:pic>
+        <p:nvPicPr>
+          <p:cNvPr id="5" name="Imagen 4"/>
+          <p:cNvPicPr>
+            <a:picLocks noChangeAspect="1"/>
+          </p:cNvPicPr>
+          <p:nvPr/>
+        </p:nvPicPr>
+        <p:blipFill>
+          <a:blip r:embed="rId4"/>
+          <a:stretch>
+            <a:fillRect/>
+          </a:stretch>
+        </p:blipFill>
+        <p:spPr>
+          <a:xfrm>
+            <a:off x="1037493" y="2160396"/>
+            <a:ext cx="9744090" cy="993169"/>
+          </a:xfrm>
+          <a:prstGeom prst="rect">
+            <a:avLst/>
+          </a:prstGeom>
+        </p:spPr>
+      </p:pic>
     </p:spTree>
     <p:extLst>
       <p:ext uri="{BB962C8B-B14F-4D97-AF65-F5344CB8AC3E}">
